--- a/GameDesign/팀펄_전투시스템기획.pptx
+++ b/GameDesign/팀펄_전투시스템기획.pptx
@@ -273,7 +273,7 @@
       </p15:sldGuideLst>
     </p:ext>
     <p:ext uri="http://customooxmlschemas.google.com/">
-      <go:slidesCustomData xmlns="" xmlns:mc="http://schemas.openxmlformats.org/markup-compatibility/2006" xmlns:mv="urn:schemas-microsoft-com:mac:vml" xmlns:c="http://schemas.openxmlformats.org/drawingml/2006/chart" xmlns:dgm="http://schemas.openxmlformats.org/drawingml/2006/diagram" xmlns:o="urn:schemas-microsoft-com:office:office" xmlns:v="urn:schemas-microsoft-com:vml" xmlns:pvml="urn:schemas-microsoft-com:office:powerpoint" xmlns:com="http://schemas.openxmlformats.org/drawingml/2006/compatibility" xmlns:p14="http://schemas.microsoft.com/office/powerpoint/2010/main" xmlns:p15="http://schemas.microsoft.com/office/powerpoint/2012/main" xmlns:ahyp="http://schemas.microsoft.com/office/drawing/2018/hyperlinkcolor" xmlns:go="http://customooxmlschemas.google.com/" r:id="rId31" roundtripDataSignature="AMtx7miiSHJ3XJ4MW2M590OQDNRXdaDwBQ=="/>
+      <go:slidesCustomData xmlns:go="http://customooxmlschemas.google.com/" xmlns:ahyp="http://schemas.microsoft.com/office/drawing/2018/hyperlinkcolor" xmlns:p15="http://schemas.microsoft.com/office/powerpoint/2012/main" xmlns:p14="http://schemas.microsoft.com/office/powerpoint/2010/main" xmlns:com="http://schemas.openxmlformats.org/drawingml/2006/compatibility" xmlns:pvml="urn:schemas-microsoft-com:office:powerpoint" xmlns:v="urn:schemas-microsoft-com:vml" xmlns:o="urn:schemas-microsoft-com:office:office" xmlns:dgm="http://schemas.openxmlformats.org/drawingml/2006/diagram" xmlns:c="http://schemas.openxmlformats.org/drawingml/2006/chart" xmlns:mv="urn:schemas-microsoft-com:mac:vml" xmlns:mc="http://schemas.openxmlformats.org/markup-compatibility/2006" xmlns="" r:id="rId31" roundtripDataSignature="AMtx7miiSHJ3XJ4MW2M590OQDNRXdaDwBQ=="/>
     </p:ext>
   </p:extLst>
 </p:presentation>
@@ -13324,10 +13324,10 @@
         </p:nvGrpSpPr>
         <p:grpSpPr>
           <a:xfrm>
-            <a:off x="6538567" y="4025134"/>
-            <a:ext cx="4558776" cy="2064287"/>
-            <a:chOff x="6177846" y="4025134"/>
-            <a:chExt cx="4558776" cy="2064287"/>
+            <a:off x="6538567" y="4097327"/>
+            <a:ext cx="4558776" cy="1992094"/>
+            <a:chOff x="6177846" y="4097327"/>
+            <a:chExt cx="4558776" cy="1992094"/>
           </a:xfrm>
         </p:grpSpPr>
         <p:grpSp>
@@ -13530,10 +13530,10 @@
           </p:nvGrpSpPr>
           <p:grpSpPr>
             <a:xfrm>
-              <a:off x="6177846" y="4025134"/>
-              <a:ext cx="4558776" cy="760363"/>
-              <a:chOff x="6177846" y="3757255"/>
-              <a:chExt cx="4558776" cy="760363"/>
+              <a:off x="6177846" y="4097327"/>
+              <a:ext cx="4558776" cy="615977"/>
+              <a:chOff x="6177846" y="3829448"/>
+              <a:chExt cx="4558776" cy="615977"/>
             </a:xfrm>
           </p:grpSpPr>
           <p:pic>
@@ -13583,8 +13583,8 @@
             </p:nvCxnSpPr>
             <p:spPr>
               <a:xfrm flipV="1">
-                <a:off x="6456723" y="3865432"/>
-                <a:ext cx="1619945" cy="272005"/>
+                <a:off x="6456723" y="3829448"/>
+                <a:ext cx="1619945" cy="307989"/>
               </a:xfrm>
               <a:prstGeom prst="straightConnector1">
                 <a:avLst/>
@@ -13625,8 +13625,8 @@
             </p:nvCxnSpPr>
             <p:spPr>
               <a:xfrm flipV="1">
-                <a:off x="6456723" y="4137435"/>
-                <a:ext cx="1619945" cy="2"/>
+                <a:off x="6456723" y="4054535"/>
+                <a:ext cx="1619945" cy="82902"/>
               </a:xfrm>
               <a:prstGeom prst="straightConnector1">
                 <a:avLst/>
@@ -13668,7 +13668,7 @@
             <p:spPr>
               <a:xfrm>
                 <a:off x="6456723" y="4137437"/>
-                <a:ext cx="1619945" cy="272002"/>
+                <a:ext cx="1619945" cy="180148"/>
               </a:xfrm>
               <a:prstGeom prst="straightConnector1">
                 <a:avLst/>
@@ -13702,14 +13702,15 @@
                 </a:extLst>
               </p:cNvPr>
               <p:cNvCxnSpPr>
+                <a:cxnSpLocks/>
                 <a:stCxn id="4" idx="3"/>
               </p:cNvCxnSpPr>
               <p:nvPr/>
             </p:nvCxnSpPr>
             <p:spPr>
               <a:xfrm flipV="1">
-                <a:off x="6456723" y="4001434"/>
-                <a:ext cx="1619945" cy="136003"/>
+                <a:off x="6456723" y="3934390"/>
+                <a:ext cx="1619945" cy="203047"/>
               </a:xfrm>
               <a:prstGeom prst="straightConnector1">
                 <a:avLst/>
@@ -13743,6 +13744,7 @@
                 </a:extLst>
               </p:cNvPr>
               <p:cNvCxnSpPr>
+                <a:cxnSpLocks/>
                 <a:stCxn id="4" idx="3"/>
               </p:cNvCxnSpPr>
               <p:nvPr/>
@@ -13750,49 +13752,7 @@
             <p:spPr>
               <a:xfrm>
                 <a:off x="6456723" y="4137437"/>
-                <a:ext cx="1619945" cy="136001"/>
-              </a:xfrm>
-              <a:prstGeom prst="straightConnector1">
-                <a:avLst/>
-              </a:prstGeom>
-              <a:ln>
-                <a:tailEnd type="triangle"/>
-              </a:ln>
-            </p:spPr>
-            <p:style>
-              <a:lnRef idx="1">
-                <a:schemeClr val="accent1"/>
-              </a:lnRef>
-              <a:fillRef idx="0">
-                <a:schemeClr val="accent1"/>
-              </a:fillRef>
-              <a:effectRef idx="0">
-                <a:schemeClr val="accent1"/>
-              </a:effectRef>
-              <a:fontRef idx="minor">
-                <a:schemeClr val="tx1"/>
-              </a:fontRef>
-            </p:style>
-          </p:cxnSp>
-          <p:cxnSp>
-            <p:nvCxnSpPr>
-              <p:cNvPr id="28" name="직선 화살표 연결선 27">
-                <a:extLst>
-                  <a:ext uri="{FF2B5EF4-FFF2-40B4-BE49-F238E27FC236}">
-                    <a16:creationId xmlns:a16="http://schemas.microsoft.com/office/drawing/2014/main" id="{C16E2388-BEB0-0633-86D4-D1E1A3D4EE23}"/>
-                  </a:ext>
-                </a:extLst>
-              </p:cNvPr>
-              <p:cNvCxnSpPr>
-                <a:cxnSpLocks/>
-                <a:stCxn id="4" idx="3"/>
-              </p:cNvCxnSpPr>
-              <p:nvPr/>
-            </p:nvCxnSpPr>
-            <p:spPr>
-              <a:xfrm flipV="1">
-                <a:off x="6456723" y="3757255"/>
-                <a:ext cx="1619945" cy="380182"/>
+                <a:ext cx="1619945" cy="57070"/>
               </a:xfrm>
               <a:prstGeom prst="straightConnector1">
                 <a:avLst/>
@@ -13834,7 +13794,7 @@
             <p:spPr>
               <a:xfrm>
                 <a:off x="6456723" y="4137437"/>
-                <a:ext cx="1619945" cy="380181"/>
+                <a:ext cx="1619945" cy="307988"/>
               </a:xfrm>
               <a:prstGeom prst="straightConnector1">
                 <a:avLst/>
@@ -16065,1169 +16025,6 @@
           </a:p>
         </p:txBody>
       </p:sp>
-      <p:grpSp>
-        <p:nvGrpSpPr>
-          <p:cNvPr id="4" name="그룹 3">
-            <a:extLst>
-              <a:ext uri="{FF2B5EF4-FFF2-40B4-BE49-F238E27FC236}">
-                <a16:creationId xmlns:a16="http://schemas.microsoft.com/office/drawing/2014/main" id="{F02D03A7-66AF-685E-C31F-259D02DD568B}"/>
-              </a:ext>
-            </a:extLst>
-          </p:cNvPr>
-          <p:cNvGrpSpPr/>
-          <p:nvPr/>
-        </p:nvGrpSpPr>
-        <p:grpSpPr>
-          <a:xfrm>
-            <a:off x="1388808" y="4250390"/>
-            <a:ext cx="2718225" cy="1529003"/>
-            <a:chOff x="1457536" y="2701214"/>
-            <a:chExt cx="3902904" cy="2195387"/>
-          </a:xfrm>
-        </p:grpSpPr>
-        <p:pic>
-          <p:nvPicPr>
-            <p:cNvPr id="10" name="그림 9" descr="상자, 용기, 목재이(가) 표시된 사진&#10;&#10;자동 생성된 설명">
-              <a:extLst>
-                <a:ext uri="{FF2B5EF4-FFF2-40B4-BE49-F238E27FC236}">
-                  <a16:creationId xmlns:a16="http://schemas.microsoft.com/office/drawing/2014/main" id="{30A75180-4F00-B43A-6490-E54B48D9C7BC}"/>
-                </a:ext>
-              </a:extLst>
-            </p:cNvPr>
-            <p:cNvPicPr>
-              <a:picLocks noChangeAspect="1"/>
-            </p:cNvPicPr>
-            <p:nvPr/>
-          </p:nvPicPr>
-          <p:blipFill>
-            <a:blip r:embed="rId3"/>
-            <a:stretch>
-              <a:fillRect/>
-            </a:stretch>
-          </p:blipFill>
-          <p:spPr>
-            <a:xfrm>
-              <a:off x="2978223" y="3712527"/>
-              <a:ext cx="836475" cy="810537"/>
-            </a:xfrm>
-            <a:prstGeom prst="rect">
-              <a:avLst/>
-            </a:prstGeom>
-          </p:spPr>
-        </p:pic>
-        <p:grpSp>
-          <p:nvGrpSpPr>
-            <p:cNvPr id="5" name="그룹 4">
-              <a:extLst>
-                <a:ext uri="{FF2B5EF4-FFF2-40B4-BE49-F238E27FC236}">
-                  <a16:creationId xmlns:a16="http://schemas.microsoft.com/office/drawing/2014/main" id="{24BD471B-D871-6F0B-FC0D-18A00B37EDA5}"/>
-                </a:ext>
-              </a:extLst>
-            </p:cNvPr>
-            <p:cNvGrpSpPr/>
-            <p:nvPr/>
-          </p:nvGrpSpPr>
-          <p:grpSpPr>
-            <a:xfrm>
-              <a:off x="1457536" y="2701215"/>
-              <a:ext cx="3902904" cy="2195386"/>
-              <a:chOff x="1089236" y="2701214"/>
-              <a:chExt cx="3902903" cy="2195385"/>
-            </a:xfrm>
-          </p:grpSpPr>
-          <p:pic>
-            <p:nvPicPr>
-              <p:cNvPr id="12" name="그림 11" descr="픽셀, 패턴이(가) 표시된 사진&#10;&#10;자동 생성된 설명">
-                <a:extLst>
-                  <a:ext uri="{FF2B5EF4-FFF2-40B4-BE49-F238E27FC236}">
-                    <a16:creationId xmlns:a16="http://schemas.microsoft.com/office/drawing/2014/main" id="{7E462C26-169D-D868-1A9A-C1A37393178B}"/>
-                  </a:ext>
-                </a:extLst>
-              </p:cNvPr>
-              <p:cNvPicPr>
-                <a:picLocks noChangeAspect="1"/>
-              </p:cNvPicPr>
-              <p:nvPr/>
-            </p:nvPicPr>
-            <p:blipFill>
-              <a:blip r:embed="rId4"/>
-              <a:stretch>
-                <a:fillRect/>
-              </a:stretch>
-            </p:blipFill>
-            <p:spPr>
-              <a:xfrm>
-                <a:off x="2121939" y="3643570"/>
-                <a:ext cx="349561" cy="681890"/>
-              </a:xfrm>
-              <a:prstGeom prst="rect">
-                <a:avLst/>
-              </a:prstGeom>
-            </p:spPr>
-          </p:pic>
-          <p:sp>
-            <p:nvSpPr>
-              <p:cNvPr id="13" name="직사각형 12">
-                <a:extLst>
-                  <a:ext uri="{FF2B5EF4-FFF2-40B4-BE49-F238E27FC236}">
-                    <a16:creationId xmlns:a16="http://schemas.microsoft.com/office/drawing/2014/main" id="{CCCEE9BA-C502-5E10-2287-B5E7249013F3}"/>
-                  </a:ext>
-                </a:extLst>
-              </p:cNvPr>
-              <p:cNvSpPr/>
-              <p:nvPr/>
-            </p:nvSpPr>
-            <p:spPr>
-              <a:xfrm>
-                <a:off x="1089237" y="2701214"/>
-                <a:ext cx="3902901" cy="2195385"/>
-              </a:xfrm>
-              <a:prstGeom prst="rect">
-                <a:avLst/>
-              </a:prstGeom>
-              <a:noFill/>
-            </p:spPr>
-            <p:style>
-              <a:lnRef idx="2">
-                <a:schemeClr val="accent1">
-                  <a:shade val="15000"/>
-                </a:schemeClr>
-              </a:lnRef>
-              <a:fillRef idx="1">
-                <a:schemeClr val="accent1"/>
-              </a:fillRef>
-              <a:effectRef idx="0">
-                <a:schemeClr val="accent1"/>
-              </a:effectRef>
-              <a:fontRef idx="minor">
-                <a:schemeClr val="lt1"/>
-              </a:fontRef>
-            </p:style>
-            <p:txBody>
-              <a:bodyPr rtlCol="0" anchor="ctr"/>
-              <a:lstStyle/>
-              <a:p>
-                <a:pPr algn="ctr"/>
-                <a:endParaRPr lang="ko-KR" altLang="en-US"/>
-              </a:p>
-            </p:txBody>
-          </p:sp>
-          <p:pic>
-            <p:nvPicPr>
-              <p:cNvPr id="14" name="그림 13">
-                <a:extLst>
-                  <a:ext uri="{FF2B5EF4-FFF2-40B4-BE49-F238E27FC236}">
-                    <a16:creationId xmlns:a16="http://schemas.microsoft.com/office/drawing/2014/main" id="{E0B48C7C-7B25-E0F0-C478-3053BE302E40}"/>
-                  </a:ext>
-                </a:extLst>
-              </p:cNvPr>
-              <p:cNvPicPr>
-                <a:picLocks noChangeAspect="1"/>
-              </p:cNvPicPr>
-              <p:nvPr/>
-            </p:nvPicPr>
-            <p:blipFill>
-              <a:blip r:embed="rId5"/>
-              <a:stretch>
-                <a:fillRect/>
-              </a:stretch>
-            </p:blipFill>
-            <p:spPr>
-              <a:xfrm flipH="1">
-                <a:off x="3607209" y="3444643"/>
-                <a:ext cx="349561" cy="903034"/>
-              </a:xfrm>
-              <a:prstGeom prst="rect">
-                <a:avLst/>
-              </a:prstGeom>
-            </p:spPr>
-          </p:pic>
-          <p:sp>
-            <p:nvSpPr>
-              <p:cNvPr id="15" name="TextBox 14">
-                <a:extLst>
-                  <a:ext uri="{FF2B5EF4-FFF2-40B4-BE49-F238E27FC236}">
-                    <a16:creationId xmlns:a16="http://schemas.microsoft.com/office/drawing/2014/main" id="{24514FEC-6212-634F-53BB-5ABD699407D3}"/>
-                  </a:ext>
-                </a:extLst>
-              </p:cNvPr>
-              <p:cNvSpPr txBox="1"/>
-              <p:nvPr/>
-            </p:nvSpPr>
-            <p:spPr>
-              <a:xfrm>
-                <a:off x="2351116" y="3027785"/>
-                <a:ext cx="1379140" cy="441915"/>
-              </a:xfrm>
-              <a:prstGeom prst="rect">
-                <a:avLst/>
-              </a:prstGeom>
-              <a:noFill/>
-            </p:spPr>
-            <p:txBody>
-              <a:bodyPr wrap="none" rtlCol="0">
-                <a:spAutoFit/>
-              </a:bodyPr>
-              <a:lstStyle/>
-              <a:p>
-                <a:pPr algn="ctr"/>
-                <a:r>
-                  <a:rPr lang="en-US" altLang="ko-KR" dirty="0"/>
-                  <a:t>4-4 Stage</a:t>
-                </a:r>
-                <a:endParaRPr lang="ko-KR" altLang="en-US" dirty="0"/>
-              </a:p>
-            </p:txBody>
-          </p:sp>
-          <p:sp>
-            <p:nvSpPr>
-              <p:cNvPr id="16" name="폭발: 8pt 15">
-                <a:extLst>
-                  <a:ext uri="{FF2B5EF4-FFF2-40B4-BE49-F238E27FC236}">
-                    <a16:creationId xmlns:a16="http://schemas.microsoft.com/office/drawing/2014/main" id="{FA4D7D31-7833-F684-3DF3-755EDA75B68B}"/>
-                  </a:ext>
-                </a:extLst>
-              </p:cNvPr>
-              <p:cNvSpPr/>
-              <p:nvPr/>
-            </p:nvSpPr>
-            <p:spPr>
-              <a:xfrm>
-                <a:off x="3759168" y="3774140"/>
-                <a:ext cx="358414" cy="358414"/>
-              </a:xfrm>
-              <a:prstGeom prst="irregularSeal1">
-                <a:avLst/>
-              </a:prstGeom>
-              <a:solidFill>
-                <a:srgbClr val="FF0000"/>
-              </a:solidFill>
-              <a:ln>
-                <a:noFill/>
-              </a:ln>
-            </p:spPr>
-            <p:style>
-              <a:lnRef idx="2">
-                <a:schemeClr val="accent1">
-                  <a:shade val="15000"/>
-                </a:schemeClr>
-              </a:lnRef>
-              <a:fillRef idx="1">
-                <a:schemeClr val="accent1"/>
-              </a:fillRef>
-              <a:effectRef idx="0">
-                <a:schemeClr val="accent1"/>
-              </a:effectRef>
-              <a:fontRef idx="minor">
-                <a:schemeClr val="lt1"/>
-              </a:fontRef>
-            </p:style>
-            <p:txBody>
-              <a:bodyPr rtlCol="0" anchor="ctr"/>
-              <a:lstStyle/>
-              <a:p>
-                <a:pPr algn="ctr"/>
-                <a:endParaRPr lang="ko-KR" altLang="en-US" dirty="0"/>
-              </a:p>
-            </p:txBody>
-          </p:sp>
-          <p:sp>
-            <p:nvSpPr>
-              <p:cNvPr id="18" name="직사각형 17">
-                <a:extLst>
-                  <a:ext uri="{FF2B5EF4-FFF2-40B4-BE49-F238E27FC236}">
-                    <a16:creationId xmlns:a16="http://schemas.microsoft.com/office/drawing/2014/main" id="{A9FED3D0-06A3-B22D-AFA7-4DB501954706}"/>
-                  </a:ext>
-                </a:extLst>
-              </p:cNvPr>
-              <p:cNvSpPr/>
-              <p:nvPr/>
-            </p:nvSpPr>
-            <p:spPr>
-              <a:xfrm>
-                <a:off x="4013201" y="4553339"/>
-                <a:ext cx="978938" cy="343260"/>
-              </a:xfrm>
-              <a:prstGeom prst="rect">
-                <a:avLst/>
-              </a:prstGeom>
-              <a:noFill/>
-              <a:ln>
-                <a:solidFill>
-                  <a:schemeClr val="tx1"/>
-                </a:solidFill>
-              </a:ln>
-            </p:spPr>
-            <p:style>
-              <a:lnRef idx="2">
-                <a:schemeClr val="accent1">
-                  <a:shade val="15000"/>
-                </a:schemeClr>
-              </a:lnRef>
-              <a:fillRef idx="1">
-                <a:schemeClr val="accent1"/>
-              </a:fillRef>
-              <a:effectRef idx="0">
-                <a:schemeClr val="accent1"/>
-              </a:effectRef>
-              <a:fontRef idx="minor">
-                <a:schemeClr val="lt1"/>
-              </a:fontRef>
-            </p:style>
-            <p:txBody>
-              <a:bodyPr rtlCol="0" anchor="ctr"/>
-              <a:lstStyle/>
-              <a:p>
-                <a:pPr algn="ctr"/>
-                <a:r>
-                  <a:rPr lang="ko-KR" altLang="en-US" sz="1200" dirty="0">
-                    <a:solidFill>
-                      <a:schemeClr val="tx1"/>
-                    </a:solidFill>
-                  </a:rPr>
-                  <a:t>포탈</a:t>
-                </a:r>
-              </a:p>
-            </p:txBody>
-          </p:sp>
-          <p:sp>
-            <p:nvSpPr>
-              <p:cNvPr id="19" name="직사각형 18">
-                <a:extLst>
-                  <a:ext uri="{FF2B5EF4-FFF2-40B4-BE49-F238E27FC236}">
-                    <a16:creationId xmlns:a16="http://schemas.microsoft.com/office/drawing/2014/main" id="{39056BD1-907F-B60F-26E3-160F20D3BBC0}"/>
-                  </a:ext>
-                </a:extLst>
-              </p:cNvPr>
-              <p:cNvSpPr/>
-              <p:nvPr/>
-            </p:nvSpPr>
-            <p:spPr>
-              <a:xfrm>
-                <a:off x="3031477" y="4553339"/>
-                <a:ext cx="978938" cy="343260"/>
-              </a:xfrm>
-              <a:prstGeom prst="rect">
-                <a:avLst/>
-              </a:prstGeom>
-              <a:noFill/>
-              <a:ln>
-                <a:solidFill>
-                  <a:schemeClr val="tx1"/>
-                </a:solidFill>
-              </a:ln>
-            </p:spPr>
-            <p:style>
-              <a:lnRef idx="2">
-                <a:schemeClr val="accent1">
-                  <a:shade val="15000"/>
-                </a:schemeClr>
-              </a:lnRef>
-              <a:fillRef idx="1">
-                <a:schemeClr val="accent1"/>
-              </a:fillRef>
-              <a:effectRef idx="0">
-                <a:schemeClr val="accent1"/>
-              </a:effectRef>
-              <a:fontRef idx="minor">
-                <a:schemeClr val="lt1"/>
-              </a:fontRef>
-            </p:style>
-            <p:txBody>
-              <a:bodyPr rtlCol="0" anchor="ctr"/>
-              <a:lstStyle/>
-              <a:p>
-                <a:pPr algn="ctr"/>
-                <a:r>
-                  <a:rPr lang="ko-KR" altLang="en-US" sz="1200" dirty="0">
-                    <a:solidFill>
-                      <a:schemeClr val="tx1"/>
-                    </a:solidFill>
-                  </a:rPr>
-                  <a:t>총기</a:t>
-                </a:r>
-              </a:p>
-            </p:txBody>
-          </p:sp>
-          <p:sp>
-            <p:nvSpPr>
-              <p:cNvPr id="20" name="직사각형 19">
-                <a:extLst>
-                  <a:ext uri="{FF2B5EF4-FFF2-40B4-BE49-F238E27FC236}">
-                    <a16:creationId xmlns:a16="http://schemas.microsoft.com/office/drawing/2014/main" id="{7C674BF7-AB5D-8828-4994-0ADE5A69CDDD}"/>
-                  </a:ext>
-                </a:extLst>
-              </p:cNvPr>
-              <p:cNvSpPr/>
-              <p:nvPr/>
-            </p:nvSpPr>
-            <p:spPr>
-              <a:xfrm>
-                <a:off x="2049753" y="4553339"/>
-                <a:ext cx="978938" cy="343260"/>
-              </a:xfrm>
-              <a:prstGeom prst="rect">
-                <a:avLst/>
-              </a:prstGeom>
-              <a:noFill/>
-              <a:ln>
-                <a:solidFill>
-                  <a:schemeClr val="tx1"/>
-                </a:solidFill>
-              </a:ln>
-            </p:spPr>
-            <p:style>
-              <a:lnRef idx="2">
-                <a:schemeClr val="accent1">
-                  <a:shade val="15000"/>
-                </a:schemeClr>
-              </a:lnRef>
-              <a:fillRef idx="1">
-                <a:schemeClr val="accent1"/>
-              </a:fillRef>
-              <a:effectRef idx="0">
-                <a:schemeClr val="accent1"/>
-              </a:effectRef>
-              <a:fontRef idx="minor">
-                <a:schemeClr val="lt1"/>
-              </a:fontRef>
-            </p:style>
-            <p:txBody>
-              <a:bodyPr rtlCol="0" anchor="ctr"/>
-              <a:lstStyle/>
-              <a:p>
-                <a:pPr algn="ctr"/>
-                <a:r>
-                  <a:rPr lang="ko-KR" altLang="en-US" sz="1200" dirty="0">
-                    <a:solidFill>
-                      <a:schemeClr val="tx1"/>
-                    </a:solidFill>
-                  </a:rPr>
-                  <a:t>능력치</a:t>
-                </a:r>
-              </a:p>
-            </p:txBody>
-          </p:sp>
-          <p:sp>
-            <p:nvSpPr>
-              <p:cNvPr id="22" name="직사각형 21">
-                <a:extLst>
-                  <a:ext uri="{FF2B5EF4-FFF2-40B4-BE49-F238E27FC236}">
-                    <a16:creationId xmlns:a16="http://schemas.microsoft.com/office/drawing/2014/main" id="{C4283D2A-DA35-79DD-010D-DCE64950E166}"/>
-                  </a:ext>
-                </a:extLst>
-              </p:cNvPr>
-              <p:cNvSpPr/>
-              <p:nvPr/>
-            </p:nvSpPr>
-            <p:spPr>
-              <a:xfrm>
-                <a:off x="1089236" y="4553339"/>
-                <a:ext cx="957731" cy="343260"/>
-              </a:xfrm>
-              <a:prstGeom prst="rect">
-                <a:avLst/>
-              </a:prstGeom>
-              <a:noFill/>
-              <a:ln>
-                <a:solidFill>
-                  <a:schemeClr val="tx1"/>
-                </a:solidFill>
-              </a:ln>
-            </p:spPr>
-            <p:style>
-              <a:lnRef idx="2">
-                <a:schemeClr val="accent1">
-                  <a:shade val="15000"/>
-                </a:schemeClr>
-              </a:lnRef>
-              <a:fillRef idx="1">
-                <a:schemeClr val="accent1"/>
-              </a:fillRef>
-              <a:effectRef idx="0">
-                <a:schemeClr val="accent1"/>
-              </a:effectRef>
-              <a:fontRef idx="minor">
-                <a:schemeClr val="lt1"/>
-              </a:fontRef>
-            </p:style>
-            <p:txBody>
-              <a:bodyPr rtlCol="0" anchor="ctr"/>
-              <a:lstStyle/>
-              <a:p>
-                <a:pPr algn="ctr"/>
-                <a:r>
-                  <a:rPr lang="ko-KR" altLang="en-US" sz="1200" dirty="0">
-                    <a:solidFill>
-                      <a:schemeClr val="tx1"/>
-                    </a:solidFill>
-                  </a:rPr>
-                  <a:t>상점</a:t>
-                </a:r>
-              </a:p>
-            </p:txBody>
-          </p:sp>
-        </p:grpSp>
-        <p:sp>
-          <p:nvSpPr>
-            <p:cNvPr id="6" name="직사각형 5">
-              <a:extLst>
-                <a:ext uri="{FF2B5EF4-FFF2-40B4-BE49-F238E27FC236}">
-                  <a16:creationId xmlns:a16="http://schemas.microsoft.com/office/drawing/2014/main" id="{E17C597E-992D-9E8B-9906-DD72C5A998BC}"/>
-                </a:ext>
-              </a:extLst>
-            </p:cNvPr>
-            <p:cNvSpPr/>
-            <p:nvPr/>
-          </p:nvSpPr>
-          <p:spPr>
-            <a:xfrm>
-              <a:off x="3540124" y="2701218"/>
-              <a:ext cx="1820313" cy="237284"/>
-            </a:xfrm>
-            <a:prstGeom prst="rect">
-              <a:avLst/>
-            </a:prstGeom>
-            <a:noFill/>
-            <a:ln>
-              <a:solidFill>
-                <a:schemeClr val="tx1"/>
-              </a:solidFill>
-            </a:ln>
-          </p:spPr>
-          <p:style>
-            <a:lnRef idx="2">
-              <a:schemeClr val="accent1">
-                <a:shade val="15000"/>
-              </a:schemeClr>
-            </a:lnRef>
-            <a:fillRef idx="1">
-              <a:schemeClr val="accent1"/>
-            </a:fillRef>
-            <a:effectRef idx="0">
-              <a:schemeClr val="accent1"/>
-            </a:effectRef>
-            <a:fontRef idx="minor">
-              <a:schemeClr val="lt1"/>
-            </a:fontRef>
-          </p:style>
-          <p:txBody>
-            <a:bodyPr rtlCol="0" anchor="ctr"/>
-            <a:lstStyle/>
-            <a:p>
-              <a:pPr algn="ctr"/>
-              <a:r>
-                <a:rPr lang="ko-KR" altLang="en-US" sz="1200" dirty="0">
-                  <a:solidFill>
-                    <a:schemeClr val="tx1"/>
-                  </a:solidFill>
-                </a:rPr>
-                <a:t>재화</a:t>
-              </a:r>
-            </a:p>
-          </p:txBody>
-        </p:sp>
-        <p:sp>
-          <p:nvSpPr>
-            <p:cNvPr id="7" name="직사각형 6">
-              <a:extLst>
-                <a:ext uri="{FF2B5EF4-FFF2-40B4-BE49-F238E27FC236}">
-                  <a16:creationId xmlns:a16="http://schemas.microsoft.com/office/drawing/2014/main" id="{29AB7513-0945-E052-CE89-EEA0B3C94F6E}"/>
-                </a:ext>
-              </a:extLst>
-            </p:cNvPr>
-            <p:cNvSpPr/>
-            <p:nvPr/>
-          </p:nvSpPr>
-          <p:spPr>
-            <a:xfrm>
-              <a:off x="1457537" y="2701214"/>
-              <a:ext cx="751198" cy="237284"/>
-            </a:xfrm>
-            <a:prstGeom prst="rect">
-              <a:avLst/>
-            </a:prstGeom>
-            <a:noFill/>
-            <a:ln>
-              <a:solidFill>
-                <a:schemeClr val="tx1"/>
-              </a:solidFill>
-            </a:ln>
-          </p:spPr>
-          <p:style>
-            <a:lnRef idx="2">
-              <a:schemeClr val="accent1">
-                <a:shade val="15000"/>
-              </a:schemeClr>
-            </a:lnRef>
-            <a:fillRef idx="1">
-              <a:schemeClr val="accent1"/>
-            </a:fillRef>
-            <a:effectRef idx="0">
-              <a:schemeClr val="accent1"/>
-            </a:effectRef>
-            <a:fontRef idx="minor">
-              <a:schemeClr val="lt1"/>
-            </a:fontRef>
-          </p:style>
-          <p:txBody>
-            <a:bodyPr rtlCol="0" anchor="ctr"/>
-            <a:lstStyle/>
-            <a:p>
-              <a:pPr algn="ctr"/>
-              <a:r>
-                <a:rPr lang="ko-KR" altLang="en-US" sz="1200" dirty="0">
-                  <a:solidFill>
-                    <a:schemeClr val="tx1"/>
-                  </a:solidFill>
-                </a:rPr>
-                <a:t>레벨</a:t>
-              </a:r>
-            </a:p>
-          </p:txBody>
-        </p:sp>
-      </p:grpSp>
-      <p:grpSp>
-        <p:nvGrpSpPr>
-          <p:cNvPr id="59" name="그룹 58">
-            <a:extLst>
-              <a:ext uri="{FF2B5EF4-FFF2-40B4-BE49-F238E27FC236}">
-                <a16:creationId xmlns:a16="http://schemas.microsoft.com/office/drawing/2014/main" id="{E811DB16-FC00-7CF4-4FF9-787F79134297}"/>
-              </a:ext>
-            </a:extLst>
-          </p:cNvPr>
-          <p:cNvGrpSpPr/>
-          <p:nvPr/>
-        </p:nvGrpSpPr>
-        <p:grpSpPr>
-          <a:xfrm>
-            <a:off x="4622178" y="4250391"/>
-            <a:ext cx="2718223" cy="1529002"/>
-            <a:chOff x="4161987" y="2664499"/>
-            <a:chExt cx="2718223" cy="1529002"/>
-          </a:xfrm>
-        </p:grpSpPr>
-        <p:sp>
-          <p:nvSpPr>
-            <p:cNvPr id="43" name="직사각형 42">
-              <a:extLst>
-                <a:ext uri="{FF2B5EF4-FFF2-40B4-BE49-F238E27FC236}">
-                  <a16:creationId xmlns:a16="http://schemas.microsoft.com/office/drawing/2014/main" id="{8DE2255E-09E1-DB75-9F34-17D4C98477BA}"/>
-                </a:ext>
-              </a:extLst>
-            </p:cNvPr>
-            <p:cNvSpPr/>
-            <p:nvPr/>
-          </p:nvSpPr>
-          <p:spPr>
-            <a:xfrm>
-              <a:off x="4161987" y="2664499"/>
-              <a:ext cx="2718223" cy="1529002"/>
-            </a:xfrm>
-            <a:prstGeom prst="rect">
-              <a:avLst/>
-            </a:prstGeom>
-            <a:noFill/>
-          </p:spPr>
-          <p:style>
-            <a:lnRef idx="2">
-              <a:schemeClr val="accent1">
-                <a:shade val="15000"/>
-              </a:schemeClr>
-            </a:lnRef>
-            <a:fillRef idx="1">
-              <a:schemeClr val="accent1"/>
-            </a:fillRef>
-            <a:effectRef idx="0">
-              <a:schemeClr val="accent1"/>
-            </a:effectRef>
-            <a:fontRef idx="minor">
-              <a:schemeClr val="lt1"/>
-            </a:fontRef>
-          </p:style>
-          <p:txBody>
-            <a:bodyPr rtlCol="0" anchor="ctr"/>
-            <a:lstStyle/>
-            <a:p>
-              <a:pPr algn="ctr"/>
-              <a:endParaRPr lang="ko-KR" altLang="en-US"/>
-            </a:p>
-          </p:txBody>
-        </p:sp>
-        <p:sp>
-          <p:nvSpPr>
-            <p:cNvPr id="40" name="직사각형 39">
-              <a:extLst>
-                <a:ext uri="{FF2B5EF4-FFF2-40B4-BE49-F238E27FC236}">
-                  <a16:creationId xmlns:a16="http://schemas.microsoft.com/office/drawing/2014/main" id="{8D32A456-4F9A-0B6A-5136-69E2676A9C5A}"/>
-                </a:ext>
-              </a:extLst>
-            </p:cNvPr>
-            <p:cNvSpPr/>
-            <p:nvPr/>
-          </p:nvSpPr>
-          <p:spPr>
-            <a:xfrm>
-              <a:off x="5612430" y="2664499"/>
-              <a:ext cx="1267779" cy="165259"/>
-            </a:xfrm>
-            <a:prstGeom prst="rect">
-              <a:avLst/>
-            </a:prstGeom>
-            <a:noFill/>
-            <a:ln>
-              <a:solidFill>
-                <a:schemeClr val="tx1"/>
-              </a:solidFill>
-            </a:ln>
-          </p:spPr>
-          <p:style>
-            <a:lnRef idx="2">
-              <a:schemeClr val="accent1">
-                <a:shade val="15000"/>
-              </a:schemeClr>
-            </a:lnRef>
-            <a:fillRef idx="1">
-              <a:schemeClr val="accent1"/>
-            </a:fillRef>
-            <a:effectRef idx="0">
-              <a:schemeClr val="accent1"/>
-            </a:effectRef>
-            <a:fontRef idx="minor">
-              <a:schemeClr val="lt1"/>
-            </a:fontRef>
-          </p:style>
-          <p:txBody>
-            <a:bodyPr rtlCol="0" anchor="ctr"/>
-            <a:lstStyle/>
-            <a:p>
-              <a:pPr algn="ctr"/>
-              <a:r>
-                <a:rPr lang="ko-KR" altLang="en-US" sz="1200" dirty="0">
-                  <a:solidFill>
-                    <a:schemeClr val="tx1"/>
-                  </a:solidFill>
-                </a:rPr>
-                <a:t>재화</a:t>
-              </a:r>
-            </a:p>
-          </p:txBody>
-        </p:sp>
-        <p:sp>
-          <p:nvSpPr>
-            <p:cNvPr id="51" name="직사각형 50">
-              <a:extLst>
-                <a:ext uri="{FF2B5EF4-FFF2-40B4-BE49-F238E27FC236}">
-                  <a16:creationId xmlns:a16="http://schemas.microsoft.com/office/drawing/2014/main" id="{6DB767A9-9746-0CA2-BC27-901F224C0ACF}"/>
-                </a:ext>
-              </a:extLst>
-            </p:cNvPr>
-            <p:cNvSpPr/>
-            <p:nvPr/>
-          </p:nvSpPr>
-          <p:spPr>
-            <a:xfrm>
-              <a:off x="4161987" y="2664499"/>
-              <a:ext cx="638017" cy="517770"/>
-            </a:xfrm>
-            <a:prstGeom prst="rect">
-              <a:avLst/>
-            </a:prstGeom>
-            <a:noFill/>
-            <a:ln>
-              <a:solidFill>
-                <a:schemeClr val="tx1"/>
-              </a:solidFill>
-            </a:ln>
-          </p:spPr>
-          <p:style>
-            <a:lnRef idx="2">
-              <a:schemeClr val="accent1">
-                <a:shade val="15000"/>
-              </a:schemeClr>
-            </a:lnRef>
-            <a:fillRef idx="1">
-              <a:schemeClr val="accent1"/>
-            </a:fillRef>
-            <a:effectRef idx="0">
-              <a:schemeClr val="accent1"/>
-            </a:effectRef>
-            <a:fontRef idx="minor">
-              <a:schemeClr val="lt1"/>
-            </a:fontRef>
-          </p:style>
-          <p:txBody>
-            <a:bodyPr rtlCol="0" anchor="ctr"/>
-            <a:lstStyle/>
-            <a:p>
-              <a:pPr algn="ctr"/>
-              <a:r>
-                <a:rPr lang="ko-KR" altLang="en-US" sz="1200" dirty="0">
-                  <a:solidFill>
-                    <a:schemeClr val="tx1"/>
-                  </a:solidFill>
-                </a:rPr>
-                <a:t>돌격소총</a:t>
-              </a:r>
-            </a:p>
-          </p:txBody>
-        </p:sp>
-        <p:sp>
-          <p:nvSpPr>
-            <p:cNvPr id="52" name="직사각형 51">
-              <a:extLst>
-                <a:ext uri="{FF2B5EF4-FFF2-40B4-BE49-F238E27FC236}">
-                  <a16:creationId xmlns:a16="http://schemas.microsoft.com/office/drawing/2014/main" id="{EF781AD6-DFB0-A5F5-A7DA-06E8F07D435C}"/>
-                </a:ext>
-              </a:extLst>
-            </p:cNvPr>
-            <p:cNvSpPr/>
-            <p:nvPr/>
-          </p:nvSpPr>
-          <p:spPr>
-            <a:xfrm>
-              <a:off x="4161987" y="3182269"/>
-              <a:ext cx="638017" cy="517770"/>
-            </a:xfrm>
-            <a:prstGeom prst="rect">
-              <a:avLst/>
-            </a:prstGeom>
-            <a:noFill/>
-            <a:ln>
-              <a:solidFill>
-                <a:schemeClr val="tx1"/>
-              </a:solidFill>
-            </a:ln>
-          </p:spPr>
-          <p:style>
-            <a:lnRef idx="2">
-              <a:schemeClr val="accent1">
-                <a:shade val="15000"/>
-              </a:schemeClr>
-            </a:lnRef>
-            <a:fillRef idx="1">
-              <a:schemeClr val="accent1"/>
-            </a:fillRef>
-            <a:effectRef idx="0">
-              <a:schemeClr val="accent1"/>
-            </a:effectRef>
-            <a:fontRef idx="minor">
-              <a:schemeClr val="lt1"/>
-            </a:fontRef>
-          </p:style>
-          <p:txBody>
-            <a:bodyPr rtlCol="0" anchor="ctr"/>
-            <a:lstStyle/>
-            <a:p>
-              <a:pPr algn="ctr"/>
-              <a:r>
-                <a:rPr lang="ko-KR" altLang="en-US" sz="1200" dirty="0" err="1">
-                  <a:solidFill>
-                    <a:schemeClr val="tx1"/>
-                  </a:solidFill>
-                </a:rPr>
-                <a:t>샷건</a:t>
-              </a:r>
-              <a:endParaRPr lang="ko-KR" altLang="en-US" sz="1200" dirty="0">
-                <a:solidFill>
-                  <a:schemeClr val="tx1"/>
-                </a:solidFill>
-              </a:endParaRPr>
-            </a:p>
-          </p:txBody>
-        </p:sp>
-        <p:sp>
-          <p:nvSpPr>
-            <p:cNvPr id="53" name="직사각형 52">
-              <a:extLst>
-                <a:ext uri="{FF2B5EF4-FFF2-40B4-BE49-F238E27FC236}">
-                  <a16:creationId xmlns:a16="http://schemas.microsoft.com/office/drawing/2014/main" id="{D65FFB7F-017E-981F-6B1D-FB5CEE150854}"/>
-                </a:ext>
-              </a:extLst>
-            </p:cNvPr>
-            <p:cNvSpPr/>
-            <p:nvPr/>
-          </p:nvSpPr>
-          <p:spPr>
-            <a:xfrm>
-              <a:off x="4161987" y="3700039"/>
-              <a:ext cx="638017" cy="493462"/>
-            </a:xfrm>
-            <a:prstGeom prst="rect">
-              <a:avLst/>
-            </a:prstGeom>
-            <a:noFill/>
-            <a:ln>
-              <a:noFill/>
-            </a:ln>
-          </p:spPr>
-          <p:style>
-            <a:lnRef idx="2">
-              <a:schemeClr val="accent1">
-                <a:shade val="15000"/>
-              </a:schemeClr>
-            </a:lnRef>
-            <a:fillRef idx="1">
-              <a:schemeClr val="accent1"/>
-            </a:fillRef>
-            <a:effectRef idx="0">
-              <a:schemeClr val="accent1"/>
-            </a:effectRef>
-            <a:fontRef idx="minor">
-              <a:schemeClr val="lt1"/>
-            </a:fontRef>
-          </p:style>
-          <p:txBody>
-            <a:bodyPr rtlCol="0" anchor="ctr"/>
-            <a:lstStyle/>
-            <a:p>
-              <a:pPr algn="ctr"/>
-              <a:r>
-                <a:rPr lang="ko-KR" altLang="en-US" sz="1200" dirty="0">
-                  <a:solidFill>
-                    <a:schemeClr val="tx1"/>
-                  </a:solidFill>
-                </a:rPr>
-                <a:t>저격소총</a:t>
-              </a:r>
-            </a:p>
-          </p:txBody>
-        </p:sp>
-        <p:sp>
-          <p:nvSpPr>
-            <p:cNvPr id="54" name="TextBox 53">
-              <a:extLst>
-                <a:ext uri="{FF2B5EF4-FFF2-40B4-BE49-F238E27FC236}">
-                  <a16:creationId xmlns:a16="http://schemas.microsoft.com/office/drawing/2014/main" id="{354007F4-AD11-BDC1-E7B2-453998EDC3F1}"/>
-                </a:ext>
-              </a:extLst>
-            </p:cNvPr>
-            <p:cNvSpPr txBox="1"/>
-            <p:nvPr/>
-          </p:nvSpPr>
-          <p:spPr>
-            <a:xfrm>
-              <a:off x="5021029" y="3400694"/>
-              <a:ext cx="453971" cy="246221"/>
-            </a:xfrm>
-            <a:prstGeom prst="rect">
-              <a:avLst/>
-            </a:prstGeom>
-            <a:noFill/>
-          </p:spPr>
-          <p:txBody>
-            <a:bodyPr wrap="none" rtlCol="0">
-              <a:spAutoFit/>
-            </a:bodyPr>
-            <a:lstStyle/>
-            <a:p>
-              <a:pPr algn="ctr"/>
-              <a:r>
-                <a:rPr lang="en-US" altLang="ko-KR" sz="1000" b="1" dirty="0"/>
-                <a:t>70</a:t>
-              </a:r>
-              <a:r>
-                <a:rPr lang="ko-KR" altLang="en-US" sz="1000" b="1" dirty="0"/>
-                <a:t>강</a:t>
-              </a:r>
-            </a:p>
-          </p:txBody>
-        </p:sp>
-        <p:sp>
-          <p:nvSpPr>
-            <p:cNvPr id="55" name="직사각형 54">
-              <a:extLst>
-                <a:ext uri="{FF2B5EF4-FFF2-40B4-BE49-F238E27FC236}">
-                  <a16:creationId xmlns:a16="http://schemas.microsoft.com/office/drawing/2014/main" id="{53AAAEE2-299E-7349-20B0-036C913CEF5D}"/>
-                </a:ext>
-              </a:extLst>
-            </p:cNvPr>
-            <p:cNvSpPr/>
-            <p:nvPr/>
-          </p:nvSpPr>
-          <p:spPr>
-            <a:xfrm>
-              <a:off x="5478206" y="3827236"/>
-              <a:ext cx="681793" cy="239068"/>
-            </a:xfrm>
-            <a:prstGeom prst="rect">
-              <a:avLst/>
-            </a:prstGeom>
-            <a:noFill/>
-            <a:ln>
-              <a:solidFill>
-                <a:schemeClr val="tx1"/>
-              </a:solidFill>
-            </a:ln>
-          </p:spPr>
-          <p:style>
-            <a:lnRef idx="2">
-              <a:schemeClr val="accent1">
-                <a:shade val="15000"/>
-              </a:schemeClr>
-            </a:lnRef>
-            <a:fillRef idx="1">
-              <a:schemeClr val="accent1"/>
-            </a:fillRef>
-            <a:effectRef idx="0">
-              <a:schemeClr val="accent1"/>
-            </a:effectRef>
-            <a:fontRef idx="minor">
-              <a:schemeClr val="lt1"/>
-            </a:fontRef>
-          </p:style>
-          <p:txBody>
-            <a:bodyPr rtlCol="0" anchor="ctr"/>
-            <a:lstStyle/>
-            <a:p>
-              <a:pPr algn="ctr"/>
-              <a:r>
-                <a:rPr lang="ko-KR" altLang="en-US" sz="1200" dirty="0">
-                  <a:solidFill>
-                    <a:schemeClr val="tx1"/>
-                  </a:solidFill>
-                </a:rPr>
-                <a:t>강화</a:t>
-              </a:r>
-            </a:p>
-          </p:txBody>
-        </p:sp>
-        <p:sp>
-          <p:nvSpPr>
-            <p:cNvPr id="56" name="TextBox 55">
-              <a:extLst>
-                <a:ext uri="{FF2B5EF4-FFF2-40B4-BE49-F238E27FC236}">
-                  <a16:creationId xmlns:a16="http://schemas.microsoft.com/office/drawing/2014/main" id="{80E597E7-3368-02F5-9704-94CDBDD1EFA4}"/>
-                </a:ext>
-              </a:extLst>
-            </p:cNvPr>
-            <p:cNvSpPr txBox="1"/>
-            <p:nvPr/>
-          </p:nvSpPr>
-          <p:spPr>
-            <a:xfrm>
-              <a:off x="5402540" y="3411751"/>
-              <a:ext cx="1386918" cy="246221"/>
-            </a:xfrm>
-            <a:prstGeom prst="rect">
-              <a:avLst/>
-            </a:prstGeom>
-            <a:noFill/>
-          </p:spPr>
-          <p:txBody>
-            <a:bodyPr wrap="none" rtlCol="0">
-              <a:spAutoFit/>
-            </a:bodyPr>
-            <a:lstStyle/>
-            <a:p>
-              <a:r>
-                <a:rPr lang="ko-KR" altLang="en-US" sz="1000" b="1" dirty="0"/>
-                <a:t>스킬 </a:t>
-              </a:r>
-              <a:r>
-                <a:rPr lang="en-US" altLang="ko-KR" sz="1000" b="1" dirty="0"/>
-                <a:t>‘</a:t>
-              </a:r>
-              <a:r>
-                <a:rPr lang="ko-KR" altLang="en-US" sz="1000" b="1" dirty="0" err="1"/>
-                <a:t>드론</a:t>
-              </a:r>
-              <a:r>
-                <a:rPr lang="ko-KR" altLang="en-US" sz="1000" b="1" dirty="0"/>
-                <a:t> 요정</a:t>
-              </a:r>
-              <a:r>
-                <a:rPr lang="en-US" altLang="ko-KR" sz="1000" b="1" dirty="0"/>
-                <a:t>’</a:t>
-              </a:r>
-              <a:r>
-                <a:rPr lang="ko-KR" altLang="en-US" sz="1000" b="1" dirty="0"/>
-                <a:t> 해금</a:t>
-              </a:r>
-            </a:p>
-          </p:txBody>
-        </p:sp>
-        <p:sp>
-          <p:nvSpPr>
-            <p:cNvPr id="91" name="TextBox 90">
-              <a:extLst>
-                <a:ext uri="{FF2B5EF4-FFF2-40B4-BE49-F238E27FC236}">
-                  <a16:creationId xmlns:a16="http://schemas.microsoft.com/office/drawing/2014/main" id="{E3437F2F-0026-C2AE-77AE-3F251E556FC6}"/>
-                </a:ext>
-              </a:extLst>
-            </p:cNvPr>
-            <p:cNvSpPr txBox="1"/>
-            <p:nvPr/>
-          </p:nvSpPr>
-          <p:spPr>
-            <a:xfrm>
-              <a:off x="5021029" y="3045831"/>
-              <a:ext cx="453971" cy="246221"/>
-            </a:xfrm>
-            <a:prstGeom prst="rect">
-              <a:avLst/>
-            </a:prstGeom>
-            <a:noFill/>
-          </p:spPr>
-          <p:txBody>
-            <a:bodyPr wrap="none" rtlCol="0">
-              <a:spAutoFit/>
-            </a:bodyPr>
-            <a:lstStyle/>
-            <a:p>
-              <a:pPr algn="ctr"/>
-              <a:r>
-                <a:rPr lang="en-US" altLang="ko-KR" sz="1000" dirty="0"/>
-                <a:t>71</a:t>
-              </a:r>
-              <a:r>
-                <a:rPr lang="ko-KR" altLang="en-US" sz="1000" dirty="0"/>
-                <a:t>강</a:t>
-              </a:r>
-            </a:p>
-          </p:txBody>
-        </p:sp>
-        <p:sp>
-          <p:nvSpPr>
-            <p:cNvPr id="92" name="TextBox 91">
-              <a:extLst>
-                <a:ext uri="{FF2B5EF4-FFF2-40B4-BE49-F238E27FC236}">
-                  <a16:creationId xmlns:a16="http://schemas.microsoft.com/office/drawing/2014/main" id="{7147C196-CFCC-D67F-2F0E-CD3700C1D93A}"/>
-                </a:ext>
-              </a:extLst>
-            </p:cNvPr>
-            <p:cNvSpPr txBox="1"/>
-            <p:nvPr/>
-          </p:nvSpPr>
-          <p:spPr>
-            <a:xfrm>
-              <a:off x="5402540" y="3044821"/>
-              <a:ext cx="1042273" cy="246221"/>
-            </a:xfrm>
-            <a:prstGeom prst="rect">
-              <a:avLst/>
-            </a:prstGeom>
-            <a:noFill/>
-          </p:spPr>
-          <p:txBody>
-            <a:bodyPr wrap="none" rtlCol="0">
-              <a:spAutoFit/>
-            </a:bodyPr>
-            <a:lstStyle/>
-            <a:p>
-              <a:r>
-                <a:rPr lang="ko-KR" altLang="en-US" sz="1000" dirty="0"/>
-                <a:t>총기 공격력 </a:t>
-              </a:r>
-              <a:r>
-                <a:rPr lang="en-US" altLang="ko-KR" sz="1000" dirty="0"/>
-                <a:t>+1</a:t>
-              </a:r>
-              <a:endParaRPr lang="ko-KR" altLang="en-US" sz="1000" dirty="0"/>
-            </a:p>
-          </p:txBody>
-        </p:sp>
-      </p:grpSp>
       <p:sp>
         <p:nvSpPr>
           <p:cNvPr id="74" name="Google Shape;58;p5">
@@ -17638,7 +16435,7 @@
             <p:nvPr/>
           </p:nvPicPr>
           <p:blipFill>
-            <a:blip r:embed="rId6"/>
+            <a:blip r:embed="rId3"/>
             <a:stretch>
               <a:fillRect/>
             </a:stretch>
@@ -17668,7 +16465,7 @@
             <p:nvPr/>
           </p:nvPicPr>
           <p:blipFill>
-            <a:blip r:embed="rId7"/>
+            <a:blip r:embed="rId4"/>
             <a:stretch>
               <a:fillRect/>
             </a:stretch>
@@ -17745,8 +16542,8 @@
         </p:nvSpPr>
         <p:spPr>
           <a:xfrm>
-            <a:off x="5130735" y="6026537"/>
-            <a:ext cx="1701107" cy="246221"/>
+            <a:off x="5051794" y="6026537"/>
+            <a:ext cx="1829347" cy="246221"/>
           </a:xfrm>
           <a:prstGeom prst="rect">
             <a:avLst/>
@@ -17761,7 +16558,7 @@
           <a:p>
             <a:r>
               <a:rPr lang="ko-KR" altLang="en-US" sz="1000" dirty="0"/>
-              <a:t>총기를 강화하여 스킬 해금</a:t>
+              <a:t>숙련도를 강화하여 스킬 해금</a:t>
             </a:r>
           </a:p>
         </p:txBody>
@@ -17815,8 +16612,8 @@
         </p:nvSpPr>
         <p:spPr>
           <a:xfrm>
-            <a:off x="2171479" y="6026537"/>
-            <a:ext cx="1152880" cy="246221"/>
+            <a:off x="2322230" y="6026537"/>
+            <a:ext cx="861133" cy="246221"/>
           </a:xfrm>
           <a:prstGeom prst="rect">
             <a:avLst/>
@@ -17831,7 +16628,7 @@
           <a:p>
             <a:r>
               <a:rPr lang="ko-KR" altLang="en-US" sz="1000" dirty="0"/>
-              <a:t>강화할 총기 선택</a:t>
+              <a:t>숙련도 선택</a:t>
             </a:r>
           </a:p>
         </p:txBody>
@@ -17929,7 +16726,7 @@
           <p:nvPr/>
         </p:nvPicPr>
         <p:blipFill>
-          <a:blip r:embed="rId8"/>
+          <a:blip r:embed="rId5"/>
           <a:stretch>
             <a:fillRect/>
           </a:stretch>
@@ -17996,6 +16793,66 @@
           </a:p>
         </p:txBody>
       </p:sp>
+      <p:pic>
+        <p:nvPicPr>
+          <p:cNvPr id="35" name="그림 34">
+            <a:extLst>
+              <a:ext uri="{FF2B5EF4-FFF2-40B4-BE49-F238E27FC236}">
+                <a16:creationId xmlns:a16="http://schemas.microsoft.com/office/drawing/2014/main" id="{375B4D2B-A8DB-9E70-DE50-A1BA3A7EBDF7}"/>
+              </a:ext>
+            </a:extLst>
+          </p:cNvPr>
+          <p:cNvPicPr>
+            <a:picLocks noChangeAspect="1"/>
+          </p:cNvPicPr>
+          <p:nvPr/>
+        </p:nvPicPr>
+        <p:blipFill>
+          <a:blip r:embed="rId6"/>
+          <a:stretch>
+            <a:fillRect/>
+          </a:stretch>
+        </p:blipFill>
+        <p:spPr>
+          <a:xfrm>
+            <a:off x="1365395" y="4228541"/>
+            <a:ext cx="2774805" cy="1597010"/>
+          </a:xfrm>
+          <a:prstGeom prst="rect">
+            <a:avLst/>
+          </a:prstGeom>
+        </p:spPr>
+      </p:pic>
+      <p:pic>
+        <p:nvPicPr>
+          <p:cNvPr id="36" name="그림 35">
+            <a:extLst>
+              <a:ext uri="{FF2B5EF4-FFF2-40B4-BE49-F238E27FC236}">
+                <a16:creationId xmlns:a16="http://schemas.microsoft.com/office/drawing/2014/main" id="{A9642EEE-35BD-2FD0-041C-87C1474B7F40}"/>
+              </a:ext>
+            </a:extLst>
+          </p:cNvPr>
+          <p:cNvPicPr>
+            <a:picLocks noChangeAspect="1"/>
+          </p:cNvPicPr>
+          <p:nvPr/>
+        </p:nvPicPr>
+        <p:blipFill>
+          <a:blip r:embed="rId7"/>
+          <a:stretch>
+            <a:fillRect/>
+          </a:stretch>
+        </p:blipFill>
+        <p:spPr>
+          <a:xfrm>
+            <a:off x="4546387" y="4248125"/>
+            <a:ext cx="2843442" cy="1601220"/>
+          </a:xfrm>
+          <a:prstGeom prst="rect">
+            <a:avLst/>
+          </a:prstGeom>
+        </p:spPr>
+      </p:pic>
     </p:spTree>
     <p:extLst>
       <p:ext uri="{BB962C8B-B14F-4D97-AF65-F5344CB8AC3E}">
@@ -21478,8 +20335,8 @@
         </p:nvSpPr>
         <p:spPr>
           <a:xfrm>
-            <a:off x="1206500" y="5146742"/>
-            <a:ext cx="4485523" cy="261610"/>
+            <a:off x="838200" y="5146742"/>
+            <a:ext cx="3921266" cy="261610"/>
           </a:xfrm>
           <a:prstGeom prst="rect">
             <a:avLst/>
@@ -21520,27 +20377,7 @@
                 <a:latin typeface="맑은 고딕" panose="020B0503020000020004" pitchFamily="50" charset="-127"/>
                 <a:ea typeface="맑은 고딕" panose="020B0503020000020004" pitchFamily="50" charset="-127"/>
               </a:rPr>
-              <a:t>조작은 필요하지 않음 </a:t>
-            </a:r>
-            <a:r>
-              <a:rPr lang="en-US" altLang="ko-KR" sz="1100" b="1" dirty="0">
-                <a:solidFill>
-                  <a:srgbClr val="FF0000"/>
-                </a:solidFill>
-                <a:latin typeface="맑은 고딕" panose="020B0503020000020004" pitchFamily="50" charset="-127"/>
-                <a:ea typeface="맑은 고딕" panose="020B0503020000020004" pitchFamily="50" charset="-127"/>
-              </a:rPr>
-              <a:t>*</a:t>
-            </a:r>
-            <a:r>
-              <a:rPr lang="ko-KR" altLang="en-US" sz="1100" b="1" dirty="0" err="1">
-                <a:solidFill>
-                  <a:srgbClr val="FF0000"/>
-                </a:solidFill>
-                <a:latin typeface="맑은 고딕" panose="020B0503020000020004" pitchFamily="50" charset="-127"/>
-                <a:ea typeface="맑은 고딕" panose="020B0503020000020004" pitchFamily="50" charset="-127"/>
-              </a:rPr>
-              <a:t>완전방치</a:t>
+              <a:t>조작은 필요하지 않음</a:t>
             </a:r>
             <a:endParaRPr lang="ko-KR" altLang="en-US" sz="1100" b="1" dirty="0">
               <a:solidFill>
@@ -21564,7 +20401,7 @@
         </p:nvSpPr>
         <p:spPr>
           <a:xfrm>
-            <a:off x="1206500" y="5512365"/>
+            <a:off x="838200" y="5512365"/>
             <a:ext cx="4802918" cy="261610"/>
           </a:xfrm>
           <a:prstGeom prst="rect">
@@ -21778,7 +20615,7 @@
             <p:spPr>
               <a:xfrm>
                 <a:off x="2560427" y="3027784"/>
-                <a:ext cx="960519" cy="307777"/>
+                <a:ext cx="1031051" cy="307777"/>
               </a:xfrm>
               <a:prstGeom prst="rect">
                 <a:avLst/>
@@ -21793,7 +20630,11 @@
               <a:p>
                 <a:r>
                   <a:rPr lang="en-US" altLang="ko-KR" dirty="0"/>
-                  <a:t>1-4 Stage</a:t>
+                  <a:t>1-4 </a:t>
+                </a:r>
+                <a:r>
+                  <a:rPr lang="ko-KR" altLang="en-US" dirty="0" err="1"/>
+                  <a:t>소탕중</a:t>
                 </a:r>
                 <a:endParaRPr lang="ko-KR" altLang="en-US" dirty="0"/>
               </a:p>
@@ -22248,12 +21089,28 @@
             <a:p>
               <a:pPr algn="ctr"/>
               <a:r>
-                <a:rPr lang="ko-KR" altLang="en-US" sz="1200" dirty="0">
+                <a:rPr lang="ko-KR" altLang="en-US" sz="800" dirty="0">
                   <a:solidFill>
                     <a:schemeClr val="tx1"/>
                   </a:solidFill>
                 </a:rPr>
                 <a:t>레벨</a:t>
+              </a:r>
+              <a:r>
+                <a:rPr lang="en-US" altLang="ko-KR" sz="800" dirty="0">
+                  <a:solidFill>
+                    <a:schemeClr val="tx1"/>
+                  </a:solidFill>
+                </a:rPr>
+                <a:t>. </a:t>
+              </a:r>
+              <a:r>
+                <a:rPr lang="ko-KR" altLang="en-US" sz="800" dirty="0">
+                  <a:solidFill>
+                    <a:schemeClr val="tx1"/>
+                  </a:solidFill>
+                </a:rPr>
+                <a:t>닉네임</a:t>
               </a:r>
             </a:p>
           </p:txBody>
@@ -22441,8 +21298,8 @@
         </p:nvSpPr>
         <p:spPr>
           <a:xfrm>
-            <a:off x="1206500" y="5877988"/>
-            <a:ext cx="5195653" cy="261610"/>
+            <a:off x="838200" y="5877988"/>
+            <a:ext cx="6369051" cy="261610"/>
           </a:xfrm>
           <a:prstGeom prst="rect">
             <a:avLst/>
@@ -22483,7 +21340,37 @@
                 <a:latin typeface="맑은 고딕" panose="020B0503020000020004" pitchFamily="50" charset="-127"/>
                 <a:ea typeface="맑은 고딕" panose="020B0503020000020004" pitchFamily="50" charset="-127"/>
               </a:rPr>
-              <a:t> 클리어한 최대 스테이지에 따라 올라감</a:t>
+              <a:t> 별도의 계산 방식을 통해 산정 </a:t>
+            </a:r>
+            <a:r>
+              <a:rPr lang="en-US" altLang="ko-KR" sz="1100" dirty="0">
+                <a:solidFill>
+                  <a:srgbClr val="FF0000"/>
+                </a:solidFill>
+                <a:latin typeface="맑은 고딕" panose="020B0503020000020004" pitchFamily="50" charset="-127"/>
+                <a:ea typeface="맑은 고딕" panose="020B0503020000020004" pitchFamily="50" charset="-127"/>
+              </a:rPr>
+              <a:t>(</a:t>
+            </a:r>
+            <a:r>
+              <a:rPr lang="ko-KR" altLang="en-US" sz="1100" dirty="0">
+                <a:solidFill>
+                  <a:srgbClr val="FF0000"/>
+                </a:solidFill>
+                <a:latin typeface="맑은 고딕" panose="020B0503020000020004" pitchFamily="50" charset="-127"/>
+                <a:ea typeface="맑은 고딕" panose="020B0503020000020004" pitchFamily="50" charset="-127"/>
+              </a:rPr>
+              <a:t>소탕시스템기획 문서 참조</a:t>
+            </a:r>
+            <a:r>
+              <a:rPr lang="en-US" altLang="ko-KR" sz="1100" dirty="0">
+                <a:solidFill>
+                  <a:srgbClr val="FF0000"/>
+                </a:solidFill>
+                <a:latin typeface="맑은 고딕" panose="020B0503020000020004" pitchFamily="50" charset="-127"/>
+                <a:ea typeface="맑은 고딕" panose="020B0503020000020004" pitchFamily="50" charset="-127"/>
+              </a:rPr>
+              <a:t>)</a:t>
             </a:r>
             <a:endParaRPr lang="ko-KR" altLang="en-US" sz="1100" b="1" dirty="0">
               <a:solidFill>
